--- a/ppt/10_持久化_IO设备.pptx
+++ b/ppt/10_持久化_IO设备.pptx
@@ -250,7 +250,7 @@
           <a:p>
             <a:fld id="{25239B2F-0F50-4DD2-AFF0-5AD65435FA39}" type="datetimeFigureOut">
               <a:rPr lang="zh-CN" altLang="en-US" smtClean="0"/>
-              <a:t>2023/06/01</a:t>
+              <a:t>2025/05/20</a:t>
             </a:fld>
             <a:endParaRPr lang="zh-CN" altLang="en-US"/>
           </a:p>
@@ -428,7 +428,7 @@
           <a:p>
             <a:fld id="{F3F10C42-C15F-4A21-90B7-1EA21CFD4452}" type="datetimeFigureOut">
               <a:rPr lang="zh-CN" altLang="en-US" smtClean="0"/>
-              <a:t>2023/06/01</a:t>
+              <a:t>2025/05/20</a:t>
             </a:fld>
             <a:endParaRPr lang="zh-CN" altLang="en-US"/>
           </a:p>
@@ -1027,7 +1027,7 @@
           <a:p>
             <a:fld id="{AE214366-5FB2-49C3-BB65-B979D2FAD098}" type="datetime1">
               <a:rPr lang="zh-CN" altLang="en-US" smtClean="0"/>
-              <a:t>2023/06/01</a:t>
+              <a:t>2025/05/20</a:t>
             </a:fld>
             <a:endParaRPr lang="zh-CN" altLang="en-US"/>
           </a:p>
@@ -1235,7 +1235,7 @@
           <a:p>
             <a:fld id="{04BC6C44-F673-46E9-8025-7385D4D32FDE}" type="datetime1">
               <a:rPr lang="zh-CN" altLang="en-US" smtClean="0"/>
-              <a:t>2023/06/01</a:t>
+              <a:t>2025/05/20</a:t>
             </a:fld>
             <a:endParaRPr lang="zh-CN" altLang="en-US"/>
           </a:p>
@@ -1779,7 +1779,7 @@
           <a:p>
             <a:fld id="{2B70573D-5408-47A7-B81F-E30CA5085A27}" type="datetime1">
               <a:rPr lang="zh-CN" altLang="en-US" smtClean="0"/>
-              <a:t>2023/06/01</a:t>
+              <a:t>2025/05/20</a:t>
             </a:fld>
             <a:endParaRPr lang="zh-CN" altLang="en-US"/>
           </a:p>
@@ -2044,7 +2044,7 @@
           <a:p>
             <a:fld id="{62468019-71FB-4D17-9B3C-F6A5314A34D2}" type="datetime1">
               <a:rPr lang="zh-CN" altLang="en-US" smtClean="0"/>
-              <a:t>2023/06/01</a:t>
+              <a:t>2025/05/20</a:t>
             </a:fld>
             <a:endParaRPr lang="zh-CN" altLang="en-US"/>
           </a:p>
@@ -2456,7 +2456,7 @@
           <a:p>
             <a:fld id="{4AB419BE-49FF-45D0-B257-7BC605413B3A}" type="datetime1">
               <a:rPr lang="zh-CN" altLang="en-US" smtClean="0"/>
-              <a:t>2023/06/01</a:t>
+              <a:t>2025/05/20</a:t>
             </a:fld>
             <a:endParaRPr lang="zh-CN" altLang="en-US"/>
           </a:p>
@@ -2597,7 +2597,7 @@
           <a:p>
             <a:fld id="{6319E9FC-0AA5-46B6-8E94-55EADC6DCFFF}" type="datetime1">
               <a:rPr lang="zh-CN" altLang="en-US" smtClean="0"/>
-              <a:t>2023/06/01</a:t>
+              <a:t>2025/05/20</a:t>
             </a:fld>
             <a:endParaRPr lang="zh-CN" altLang="en-US"/>
           </a:p>
@@ -2710,7 +2710,7 @@
           <a:p>
             <a:fld id="{FCFA6577-5736-496A-8F6D-C0BE13E9BEE0}" type="datetime1">
               <a:rPr lang="zh-CN" altLang="en-US" smtClean="0"/>
-              <a:t>2023/06/01</a:t>
+              <a:t>2025/05/20</a:t>
             </a:fld>
             <a:endParaRPr lang="zh-CN" altLang="en-US"/>
           </a:p>
@@ -3021,7 +3021,7 @@
           <a:p>
             <a:fld id="{10D62EDE-3CF3-4C9B-9666-764136C001DF}" type="datetime1">
               <a:rPr lang="zh-CN" altLang="en-US" smtClean="0"/>
-              <a:t>2023/06/01</a:t>
+              <a:t>2025/05/20</a:t>
             </a:fld>
             <a:endParaRPr lang="zh-CN" altLang="en-US"/>
           </a:p>
@@ -3309,7 +3309,7 @@
           <a:p>
             <a:fld id="{E31DF0E5-AB3E-4E91-8924-10EB10A38894}" type="datetime1">
               <a:rPr lang="zh-CN" altLang="en-US" smtClean="0"/>
-              <a:t>2023/06/01</a:t>
+              <a:t>2025/05/20</a:t>
             </a:fld>
             <a:endParaRPr lang="zh-CN" altLang="en-US"/>
           </a:p>
@@ -3550,7 +3550,7 @@
           <a:p>
             <a:fld id="{2E8DB3C8-7D21-4109-A2E4-E02A745546D7}" type="datetime1">
               <a:rPr lang="zh-CN" altLang="en-US" smtClean="0"/>
-              <a:t>2023/06/01</a:t>
+              <a:t>2025/05/20</a:t>
             </a:fld>
             <a:endParaRPr lang="zh-CN" altLang="en-US"/>
           </a:p>
@@ -8481,10 +8481,12 @@
             <a:endParaRPr lang="en-US" altLang="zh-CN" dirty="0"/>
           </a:p>
           <a:p>
-            <a:r>
-              <a:rPr lang="zh-CN" altLang="en-US" dirty="0"/>
-              <a:t>内部结构</a:t>
-            </a:r>
+            <a:pPr lvl="1"/>
+            <a:r>
+              <a:rPr lang="zh-CN" altLang="en-US" dirty="0"/>
+              <a:t>只暴露设备的控制接口（即寄存器），屏蔽复杂的内部实现</a:t>
+            </a:r>
+            <a:endParaRPr lang="en-US" altLang="zh-CN" dirty="0"/>
           </a:p>
         </p:txBody>
       </p:sp>
@@ -8544,7 +8546,7 @@
         </p:blipFill>
         <p:spPr>
           <a:xfrm>
-            <a:off x="574270" y="2315876"/>
+            <a:off x="667035" y="1964693"/>
             <a:ext cx="7283824" cy="2406774"/>
           </a:xfrm>
           <a:prstGeom prst="rect">

--- a/ppt/10_持久化_IO设备.pptx
+++ b/ppt/10_持久化_IO设备.pptx
@@ -250,7 +250,7 @@
           <a:p>
             <a:fld id="{25239B2F-0F50-4DD2-AFF0-5AD65435FA39}" type="datetimeFigureOut">
               <a:rPr lang="zh-CN" altLang="en-US" smtClean="0"/>
-              <a:t>2025/05/20</a:t>
+              <a:t>2025/05/26</a:t>
             </a:fld>
             <a:endParaRPr lang="zh-CN" altLang="en-US"/>
           </a:p>
@@ -428,7 +428,7 @@
           <a:p>
             <a:fld id="{F3F10C42-C15F-4A21-90B7-1EA21CFD4452}" type="datetimeFigureOut">
               <a:rPr lang="zh-CN" altLang="en-US" smtClean="0"/>
-              <a:t>2025/05/20</a:t>
+              <a:t>2025/05/26</a:t>
             </a:fld>
             <a:endParaRPr lang="zh-CN" altLang="en-US"/>
           </a:p>
@@ -1027,7 +1027,7 @@
           <a:p>
             <a:fld id="{AE214366-5FB2-49C3-BB65-B979D2FAD098}" type="datetime1">
               <a:rPr lang="zh-CN" altLang="en-US" smtClean="0"/>
-              <a:t>2025/05/20</a:t>
+              <a:t>2025/05/26</a:t>
             </a:fld>
             <a:endParaRPr lang="zh-CN" altLang="en-US"/>
           </a:p>
@@ -1235,7 +1235,7 @@
           <a:p>
             <a:fld id="{04BC6C44-F673-46E9-8025-7385D4D32FDE}" type="datetime1">
               <a:rPr lang="zh-CN" altLang="en-US" smtClean="0"/>
-              <a:t>2025/05/20</a:t>
+              <a:t>2025/05/26</a:t>
             </a:fld>
             <a:endParaRPr lang="zh-CN" altLang="en-US"/>
           </a:p>
@@ -1779,7 +1779,7 @@
           <a:p>
             <a:fld id="{2B70573D-5408-47A7-B81F-E30CA5085A27}" type="datetime1">
               <a:rPr lang="zh-CN" altLang="en-US" smtClean="0"/>
-              <a:t>2025/05/20</a:t>
+              <a:t>2025/05/26</a:t>
             </a:fld>
             <a:endParaRPr lang="zh-CN" altLang="en-US"/>
           </a:p>
@@ -2044,7 +2044,7 @@
           <a:p>
             <a:fld id="{62468019-71FB-4D17-9B3C-F6A5314A34D2}" type="datetime1">
               <a:rPr lang="zh-CN" altLang="en-US" smtClean="0"/>
-              <a:t>2025/05/20</a:t>
+              <a:t>2025/05/26</a:t>
             </a:fld>
             <a:endParaRPr lang="zh-CN" altLang="en-US"/>
           </a:p>
@@ -2456,7 +2456,7 @@
           <a:p>
             <a:fld id="{4AB419BE-49FF-45D0-B257-7BC605413B3A}" type="datetime1">
               <a:rPr lang="zh-CN" altLang="en-US" smtClean="0"/>
-              <a:t>2025/05/20</a:t>
+              <a:t>2025/05/26</a:t>
             </a:fld>
             <a:endParaRPr lang="zh-CN" altLang="en-US"/>
           </a:p>
@@ -2597,7 +2597,7 @@
           <a:p>
             <a:fld id="{6319E9FC-0AA5-46B6-8E94-55EADC6DCFFF}" type="datetime1">
               <a:rPr lang="zh-CN" altLang="en-US" smtClean="0"/>
-              <a:t>2025/05/20</a:t>
+              <a:t>2025/05/26</a:t>
             </a:fld>
             <a:endParaRPr lang="zh-CN" altLang="en-US"/>
           </a:p>
@@ -2710,7 +2710,7 @@
           <a:p>
             <a:fld id="{FCFA6577-5736-496A-8F6D-C0BE13E9BEE0}" type="datetime1">
               <a:rPr lang="zh-CN" altLang="en-US" smtClean="0"/>
-              <a:t>2025/05/20</a:t>
+              <a:t>2025/05/26</a:t>
             </a:fld>
             <a:endParaRPr lang="zh-CN" altLang="en-US"/>
           </a:p>
@@ -3021,7 +3021,7 @@
           <a:p>
             <a:fld id="{10D62EDE-3CF3-4C9B-9666-764136C001DF}" type="datetime1">
               <a:rPr lang="zh-CN" altLang="en-US" smtClean="0"/>
-              <a:t>2025/05/20</a:t>
+              <a:t>2025/05/26</a:t>
             </a:fld>
             <a:endParaRPr lang="zh-CN" altLang="en-US"/>
           </a:p>
@@ -3309,7 +3309,7 @@
           <a:p>
             <a:fld id="{E31DF0E5-AB3E-4E91-8924-10EB10A38894}" type="datetime1">
               <a:rPr lang="zh-CN" altLang="en-US" smtClean="0"/>
-              <a:t>2025/05/20</a:t>
+              <a:t>2025/05/26</a:t>
             </a:fld>
             <a:endParaRPr lang="zh-CN" altLang="en-US"/>
           </a:p>
@@ -3550,7 +3550,7 @@
           <a:p>
             <a:fld id="{2E8DB3C8-7D21-4109-A2E4-E02A745546D7}" type="datetime1">
               <a:rPr lang="zh-CN" altLang="en-US" smtClean="0"/>
-              <a:t>2025/05/20</a:t>
+              <a:t>2025/05/26</a:t>
             </a:fld>
             <a:endParaRPr lang="zh-CN" altLang="en-US"/>
           </a:p>
@@ -10829,6 +10829,18 @@
             <a:r>
               <a:rPr lang="zh-CN" altLang="en-US" dirty="0"/>
               <a:t>实例二：网络</a:t>
+            </a:r>
+            <a:r>
+              <a:rPr lang="en-US" altLang="zh-CN" dirty="0"/>
+              <a:t>(</a:t>
+            </a:r>
+            <a:r>
+              <a:rPr lang="zh-CN" altLang="en-US" dirty="0"/>
+              <a:t>高速</a:t>
+            </a:r>
+            <a:r>
+              <a:rPr lang="en-US" altLang="zh-CN"/>
+              <a:t>)</a:t>
             </a:r>
             <a:endParaRPr lang="en-US" altLang="zh-CN" dirty="0"/>
           </a:p>
